--- a/presenter/draft/draft.pptx
+++ b/presenter/draft/draft.pptx
@@ -105,6 +105,11 @@
       </a:defRPr>
     </a:lvl9pPr>
   </p:defaultTextStyle>
+  <p:extLst>
+    <p:ext uri="{EFAFB233-063F-42B5-8137-9DF3F51BA10A}">
+      <p15:sldGuideLst xmlns:p15="http://schemas.microsoft.com/office/powerpoint/2012/main"/>
+    </p:ext>
+  </p:extLst>
 </p:presentation>
 </file>
 
@@ -255,7 +260,7 @@
           <a:p>
             <a:fld id="{665D3321-33C2-48C6-86D5-AE68DB037241}" type="datetimeFigureOut">
               <a:rPr lang="de-DE" smtClean="0"/>
-              <a:t>05.11.2018</a:t>
+              <a:t>06.11.2018</a:t>
             </a:fld>
             <a:endParaRPr lang="de-DE"/>
           </a:p>
@@ -453,7 +458,7 @@
           <a:p>
             <a:fld id="{665D3321-33C2-48C6-86D5-AE68DB037241}" type="datetimeFigureOut">
               <a:rPr lang="de-DE" smtClean="0"/>
-              <a:t>05.11.2018</a:t>
+              <a:t>06.11.2018</a:t>
             </a:fld>
             <a:endParaRPr lang="de-DE"/>
           </a:p>
@@ -661,7 +666,7 @@
           <a:p>
             <a:fld id="{665D3321-33C2-48C6-86D5-AE68DB037241}" type="datetimeFigureOut">
               <a:rPr lang="de-DE" smtClean="0"/>
-              <a:t>05.11.2018</a:t>
+              <a:t>06.11.2018</a:t>
             </a:fld>
             <a:endParaRPr lang="de-DE"/>
           </a:p>
@@ -859,7 +864,7 @@
           <a:p>
             <a:fld id="{665D3321-33C2-48C6-86D5-AE68DB037241}" type="datetimeFigureOut">
               <a:rPr lang="de-DE" smtClean="0"/>
-              <a:t>05.11.2018</a:t>
+              <a:t>06.11.2018</a:t>
             </a:fld>
             <a:endParaRPr lang="de-DE"/>
           </a:p>
@@ -1134,7 +1139,7 @@
           <a:p>
             <a:fld id="{665D3321-33C2-48C6-86D5-AE68DB037241}" type="datetimeFigureOut">
               <a:rPr lang="de-DE" smtClean="0"/>
-              <a:t>05.11.2018</a:t>
+              <a:t>06.11.2018</a:t>
             </a:fld>
             <a:endParaRPr lang="de-DE"/>
           </a:p>
@@ -1399,7 +1404,7 @@
           <a:p>
             <a:fld id="{665D3321-33C2-48C6-86D5-AE68DB037241}" type="datetimeFigureOut">
               <a:rPr lang="de-DE" smtClean="0"/>
-              <a:t>05.11.2018</a:t>
+              <a:t>06.11.2018</a:t>
             </a:fld>
             <a:endParaRPr lang="de-DE"/>
           </a:p>
@@ -1811,7 +1816,7 @@
           <a:p>
             <a:fld id="{665D3321-33C2-48C6-86D5-AE68DB037241}" type="datetimeFigureOut">
               <a:rPr lang="de-DE" smtClean="0"/>
-              <a:t>05.11.2018</a:t>
+              <a:t>06.11.2018</a:t>
             </a:fld>
             <a:endParaRPr lang="de-DE"/>
           </a:p>
@@ -1952,7 +1957,7 @@
           <a:p>
             <a:fld id="{665D3321-33C2-48C6-86D5-AE68DB037241}" type="datetimeFigureOut">
               <a:rPr lang="de-DE" smtClean="0"/>
-              <a:t>05.11.2018</a:t>
+              <a:t>06.11.2018</a:t>
             </a:fld>
             <a:endParaRPr lang="de-DE"/>
           </a:p>
@@ -2065,7 +2070,7 @@
           <a:p>
             <a:fld id="{665D3321-33C2-48C6-86D5-AE68DB037241}" type="datetimeFigureOut">
               <a:rPr lang="de-DE" smtClean="0"/>
-              <a:t>05.11.2018</a:t>
+              <a:t>06.11.2018</a:t>
             </a:fld>
             <a:endParaRPr lang="de-DE"/>
           </a:p>
@@ -2376,7 +2381,7 @@
           <a:p>
             <a:fld id="{665D3321-33C2-48C6-86D5-AE68DB037241}" type="datetimeFigureOut">
               <a:rPr lang="de-DE" smtClean="0"/>
-              <a:t>05.11.2018</a:t>
+              <a:t>06.11.2018</a:t>
             </a:fld>
             <a:endParaRPr lang="de-DE"/>
           </a:p>
@@ -2664,7 +2669,7 @@
           <a:p>
             <a:fld id="{665D3321-33C2-48C6-86D5-AE68DB037241}" type="datetimeFigureOut">
               <a:rPr lang="de-DE" smtClean="0"/>
-              <a:t>05.11.2018</a:t>
+              <a:t>06.11.2018</a:t>
             </a:fld>
             <a:endParaRPr lang="de-DE"/>
           </a:p>
@@ -2905,7 +2910,7 @@
           <a:p>
             <a:fld id="{665D3321-33C2-48C6-86D5-AE68DB037241}" type="datetimeFigureOut">
               <a:rPr lang="de-DE" smtClean="0"/>
-              <a:t>05.11.2018</a:t>
+              <a:t>06.11.2018</a:t>
             </a:fld>
             <a:endParaRPr lang="de-DE"/>
           </a:p>
@@ -3342,21 +3347,20 @@
           <a:prstGeom prst="ellipse">
             <a:avLst/>
           </a:prstGeom>
+          <a:ln w="38100"/>
         </p:spPr>
         <p:style>
           <a:lnRef idx="2">
-            <a:schemeClr val="accent2">
-              <a:shade val="50000"/>
-            </a:schemeClr>
+            <a:schemeClr val="accent2"/>
           </a:lnRef>
           <a:fillRef idx="1">
-            <a:schemeClr val="accent2"/>
+            <a:schemeClr val="lt1"/>
           </a:fillRef>
           <a:effectRef idx="0">
             <a:schemeClr val="accent2"/>
           </a:effectRef>
           <a:fontRef idx="minor">
-            <a:schemeClr val="lt1"/>
+            <a:schemeClr val="dk1"/>
           </a:fontRef>
         </p:style>
         <p:txBody>
@@ -3388,21 +3392,20 @@
           <a:prstGeom prst="ellipse">
             <a:avLst/>
           </a:prstGeom>
+          <a:ln w="38100"/>
         </p:spPr>
         <p:style>
           <a:lnRef idx="2">
-            <a:schemeClr val="accent2">
-              <a:shade val="50000"/>
-            </a:schemeClr>
+            <a:schemeClr val="accent2"/>
           </a:lnRef>
           <a:fillRef idx="1">
-            <a:schemeClr val="accent2"/>
+            <a:schemeClr val="lt1"/>
           </a:fillRef>
           <a:effectRef idx="0">
             <a:schemeClr val="accent2"/>
           </a:effectRef>
           <a:fontRef idx="minor">
-            <a:schemeClr val="lt1"/>
+            <a:schemeClr val="dk1"/>
           </a:fontRef>
         </p:style>
         <p:txBody>
@@ -3434,21 +3437,20 @@
           <a:prstGeom prst="ellipse">
             <a:avLst/>
           </a:prstGeom>
+          <a:ln w="38100"/>
         </p:spPr>
         <p:style>
           <a:lnRef idx="2">
-            <a:schemeClr val="accent2">
-              <a:shade val="50000"/>
-            </a:schemeClr>
+            <a:schemeClr val="accent2"/>
           </a:lnRef>
           <a:fillRef idx="1">
-            <a:schemeClr val="accent2"/>
+            <a:schemeClr val="lt1"/>
           </a:fillRef>
           <a:effectRef idx="0">
             <a:schemeClr val="accent2"/>
           </a:effectRef>
           <a:fontRef idx="minor">
-            <a:schemeClr val="lt1"/>
+            <a:schemeClr val="dk1"/>
           </a:fontRef>
         </p:style>
         <p:txBody>
@@ -3480,21 +3482,20 @@
           <a:prstGeom prst="ellipse">
             <a:avLst/>
           </a:prstGeom>
+          <a:ln w="38100"/>
         </p:spPr>
         <p:style>
           <a:lnRef idx="2">
-            <a:schemeClr val="accent2">
-              <a:shade val="50000"/>
-            </a:schemeClr>
+            <a:schemeClr val="accent2"/>
           </a:lnRef>
           <a:fillRef idx="1">
-            <a:schemeClr val="accent2"/>
+            <a:schemeClr val="lt1"/>
           </a:fillRef>
           <a:effectRef idx="0">
             <a:schemeClr val="accent2"/>
           </a:effectRef>
           <a:fontRef idx="minor">
-            <a:schemeClr val="lt1"/>
+            <a:schemeClr val="dk1"/>
           </a:fontRef>
         </p:style>
         <p:txBody>
@@ -3526,21 +3527,20 @@
           <a:prstGeom prst="ellipse">
             <a:avLst/>
           </a:prstGeom>
+          <a:ln w="38100"/>
         </p:spPr>
         <p:style>
           <a:lnRef idx="2">
-            <a:schemeClr val="accent2">
-              <a:shade val="50000"/>
-            </a:schemeClr>
+            <a:schemeClr val="accent2"/>
           </a:lnRef>
           <a:fillRef idx="1">
-            <a:schemeClr val="accent2"/>
+            <a:schemeClr val="lt1"/>
           </a:fillRef>
           <a:effectRef idx="0">
             <a:schemeClr val="accent2"/>
           </a:effectRef>
           <a:fontRef idx="minor">
-            <a:schemeClr val="lt1"/>
+            <a:schemeClr val="dk1"/>
           </a:fontRef>
         </p:style>
         <p:txBody>

--- a/presenter/draft/draft.pptx
+++ b/presenter/draft/draft.pptx
@@ -7,6 +7,7 @@
   <p:sldIdLst>
     <p:sldId id="256" r:id="rId2"/>
     <p:sldId id="257" r:id="rId3"/>
+    <p:sldId id="258" r:id="rId4"/>
   </p:sldIdLst>
   <p:sldSz cx="12192000" cy="6858000"/>
   <p:notesSz cx="6858000" cy="9144000"/>
@@ -6024,6 +6025,206 @@
 </p:sld>
 </file>
 
+<file path=ppt/slides/slide3.xml><?xml version="1.0" encoding="utf-8"?>
+<p:sld xmlns:a="http://schemas.openxmlformats.org/drawingml/2006/main" xmlns:r="http://schemas.openxmlformats.org/officeDocument/2006/relationships" xmlns:p="http://schemas.openxmlformats.org/presentationml/2006/main">
+  <p:cSld>
+    <p:spTree>
+      <p:nvGrpSpPr>
+        <p:cNvPr id="1" name=""/>
+        <p:cNvGrpSpPr/>
+        <p:nvPr/>
+      </p:nvGrpSpPr>
+      <p:grpSpPr>
+        <a:xfrm>
+          <a:off x="0" y="0"/>
+          <a:ext cx="0" cy="0"/>
+          <a:chOff x="0" y="0"/>
+          <a:chExt cx="0" cy="0"/>
+        </a:xfrm>
+      </p:grpSpPr>
+      <p:cxnSp>
+        <p:nvCxnSpPr>
+          <p:cNvPr id="6" name="Gerader Verbinder 5">
+            <a:extLst>
+              <a:ext uri="{FF2B5EF4-FFF2-40B4-BE49-F238E27FC236}">
+                <a16:creationId xmlns:a16="http://schemas.microsoft.com/office/drawing/2014/main" id="{84465148-05E8-423D-9F78-5307A82CA278}"/>
+              </a:ext>
+            </a:extLst>
+          </p:cNvPr>
+          <p:cNvCxnSpPr/>
+          <p:nvPr/>
+        </p:nvCxnSpPr>
+        <p:spPr>
+          <a:xfrm>
+            <a:off x="3112477" y="2620108"/>
+            <a:ext cx="202223" cy="914400"/>
+          </a:xfrm>
+          <a:prstGeom prst="line">
+            <a:avLst/>
+          </a:prstGeom>
+          <a:ln w="28575">
+            <a:solidFill>
+              <a:srgbClr val="FF0000"/>
+            </a:solidFill>
+          </a:ln>
+        </p:spPr>
+        <p:style>
+          <a:lnRef idx="3">
+            <a:schemeClr val="accent2"/>
+          </a:lnRef>
+          <a:fillRef idx="0">
+            <a:schemeClr val="accent2"/>
+          </a:fillRef>
+          <a:effectRef idx="2">
+            <a:schemeClr val="accent2"/>
+          </a:effectRef>
+          <a:fontRef idx="minor">
+            <a:schemeClr val="tx1"/>
+          </a:fontRef>
+        </p:style>
+      </p:cxnSp>
+      <p:cxnSp>
+        <p:nvCxnSpPr>
+          <p:cNvPr id="7" name="Gerader Verbinder 6">
+            <a:extLst>
+              <a:ext uri="{FF2B5EF4-FFF2-40B4-BE49-F238E27FC236}">
+                <a16:creationId xmlns:a16="http://schemas.microsoft.com/office/drawing/2014/main" id="{9FBF46A2-9FC8-494E-92EB-DD13B0051918}"/>
+              </a:ext>
+            </a:extLst>
+          </p:cNvPr>
+          <p:cNvCxnSpPr>
+            <a:cxnSpLocks/>
+          </p:cNvCxnSpPr>
+          <p:nvPr/>
+        </p:nvCxnSpPr>
+        <p:spPr>
+          <a:xfrm>
+            <a:off x="3112477" y="2620108"/>
+            <a:ext cx="553915" cy="0"/>
+          </a:xfrm>
+          <a:prstGeom prst="line">
+            <a:avLst/>
+          </a:prstGeom>
+          <a:ln w="28575">
+            <a:solidFill>
+              <a:srgbClr val="FF0000"/>
+            </a:solidFill>
+          </a:ln>
+        </p:spPr>
+        <p:style>
+          <a:lnRef idx="3">
+            <a:schemeClr val="accent2"/>
+          </a:lnRef>
+          <a:fillRef idx="0">
+            <a:schemeClr val="accent2"/>
+          </a:fillRef>
+          <a:effectRef idx="2">
+            <a:schemeClr val="accent2"/>
+          </a:effectRef>
+          <a:fontRef idx="minor">
+            <a:schemeClr val="tx1"/>
+          </a:fontRef>
+        </p:style>
+      </p:cxnSp>
+      <p:cxnSp>
+        <p:nvCxnSpPr>
+          <p:cNvPr id="10" name="Gerader Verbinder 9">
+            <a:extLst>
+              <a:ext uri="{FF2B5EF4-FFF2-40B4-BE49-F238E27FC236}">
+                <a16:creationId xmlns:a16="http://schemas.microsoft.com/office/drawing/2014/main" id="{2592F8A5-2007-4C27-8781-2F8C1A41D250}"/>
+              </a:ext>
+            </a:extLst>
+          </p:cNvPr>
+          <p:cNvCxnSpPr>
+            <a:cxnSpLocks/>
+          </p:cNvCxnSpPr>
+          <p:nvPr/>
+        </p:nvCxnSpPr>
+        <p:spPr>
+          <a:xfrm>
+            <a:off x="3666392" y="2620108"/>
+            <a:ext cx="79131" cy="861646"/>
+          </a:xfrm>
+          <a:prstGeom prst="line">
+            <a:avLst/>
+          </a:prstGeom>
+          <a:ln w="28575">
+            <a:solidFill>
+              <a:srgbClr val="FF0000"/>
+            </a:solidFill>
+          </a:ln>
+        </p:spPr>
+        <p:style>
+          <a:lnRef idx="3">
+            <a:schemeClr val="accent2"/>
+          </a:lnRef>
+          <a:fillRef idx="0">
+            <a:schemeClr val="accent2"/>
+          </a:fillRef>
+          <a:effectRef idx="2">
+            <a:schemeClr val="accent2"/>
+          </a:effectRef>
+          <a:fontRef idx="minor">
+            <a:schemeClr val="tx1"/>
+          </a:fontRef>
+        </p:style>
+      </p:cxnSp>
+      <p:cxnSp>
+        <p:nvCxnSpPr>
+          <p:cNvPr id="13" name="Gerader Verbinder 12">
+            <a:extLst>
+              <a:ext uri="{FF2B5EF4-FFF2-40B4-BE49-F238E27FC236}">
+                <a16:creationId xmlns:a16="http://schemas.microsoft.com/office/drawing/2014/main" id="{DD49E288-0FDE-407A-8781-901C429DF099}"/>
+              </a:ext>
+            </a:extLst>
+          </p:cNvPr>
+          <p:cNvCxnSpPr>
+            <a:cxnSpLocks/>
+          </p:cNvCxnSpPr>
+          <p:nvPr/>
+        </p:nvCxnSpPr>
+        <p:spPr>
+          <a:xfrm flipV="1">
+            <a:off x="3314700" y="3481754"/>
+            <a:ext cx="430823" cy="52754"/>
+          </a:xfrm>
+          <a:prstGeom prst="line">
+            <a:avLst/>
+          </a:prstGeom>
+          <a:ln w="28575">
+            <a:solidFill>
+              <a:srgbClr val="FF0000"/>
+            </a:solidFill>
+          </a:ln>
+        </p:spPr>
+        <p:style>
+          <a:lnRef idx="3">
+            <a:schemeClr val="accent2"/>
+          </a:lnRef>
+          <a:fillRef idx="0">
+            <a:schemeClr val="accent2"/>
+          </a:fillRef>
+          <a:effectRef idx="2">
+            <a:schemeClr val="accent2"/>
+          </a:effectRef>
+          <a:fontRef idx="minor">
+            <a:schemeClr val="tx1"/>
+          </a:fontRef>
+        </p:style>
+      </p:cxnSp>
+    </p:spTree>
+    <p:extLst>
+      <p:ext uri="{BB962C8B-B14F-4D97-AF65-F5344CB8AC3E}">
+        <p14:creationId xmlns:p14="http://schemas.microsoft.com/office/powerpoint/2010/main" val="2788388461"/>
+      </p:ext>
+    </p:extLst>
+  </p:cSld>
+  <p:clrMapOvr>
+    <a:masterClrMapping/>
+  </p:clrMapOvr>
+</p:sld>
+</file>
+
 <file path=ppt/theme/theme1.xml><?xml version="1.0" encoding="utf-8"?>
 <a:theme xmlns:a="http://schemas.openxmlformats.org/drawingml/2006/main" name="Office">
   <a:themeElements>
